--- a/Thiết kế WebSite bán hàng.pptx
+++ b/Thiết kế WebSite bán hàng.pptx
@@ -22,15 +22,20 @@
     <p:sldId id="270" r:id="rId16"/>
     <p:sldId id="271" r:id="rId17"/>
     <p:sldId id="272" r:id="rId18"/>
-    <p:sldId id="273" r:id="rId19"/>
-    <p:sldId id="274" r:id="rId20"/>
-    <p:sldId id="275" r:id="rId21"/>
-    <p:sldId id="276" r:id="rId22"/>
-    <p:sldId id="277" r:id="rId23"/>
-    <p:sldId id="278" r:id="rId24"/>
-    <p:sldId id="279" r:id="rId25"/>
-    <p:sldId id="280" r:id="rId26"/>
-    <p:sldId id="281" r:id="rId27"/>
+    <p:sldId id="282" r:id="rId19"/>
+    <p:sldId id="283" r:id="rId20"/>
+    <p:sldId id="284" r:id="rId21"/>
+    <p:sldId id="285" r:id="rId22"/>
+    <p:sldId id="286" r:id="rId23"/>
+    <p:sldId id="273" r:id="rId24"/>
+    <p:sldId id="274" r:id="rId25"/>
+    <p:sldId id="275" r:id="rId26"/>
+    <p:sldId id="276" r:id="rId27"/>
+    <p:sldId id="277" r:id="rId28"/>
+    <p:sldId id="278" r:id="rId29"/>
+    <p:sldId id="279" r:id="rId30"/>
+    <p:sldId id="280" r:id="rId31"/>
+    <p:sldId id="281" r:id="rId32"/>
   </p:sldIdLst>
   <p:sldSz cx="12192000" cy="6858000"/>
   <p:notesSz cx="6858000" cy="9144000"/>
@@ -295,7 +300,7 @@
           <a:p>
             <a:fld id="{7AAA6B5F-0B8C-4537-BF47-559FDA310FD1}" type="datetimeFigureOut">
               <a:rPr lang="en-US" smtClean="0"/>
-              <a:t>14/09/2024</a:t>
+              <a:t>16/09/2024</a:t>
             </a:fld>
             <a:endParaRPr lang="en-US"/>
           </a:p>
@@ -493,7 +498,7 @@
           <a:p>
             <a:fld id="{7AAA6B5F-0B8C-4537-BF47-559FDA310FD1}" type="datetimeFigureOut">
               <a:rPr lang="en-US" smtClean="0"/>
-              <a:t>14/09/2024</a:t>
+              <a:t>16/09/2024</a:t>
             </a:fld>
             <a:endParaRPr lang="en-US"/>
           </a:p>
@@ -701,7 +706,7 @@
           <a:p>
             <a:fld id="{7AAA6B5F-0B8C-4537-BF47-559FDA310FD1}" type="datetimeFigureOut">
               <a:rPr lang="en-US" smtClean="0"/>
-              <a:t>14/09/2024</a:t>
+              <a:t>16/09/2024</a:t>
             </a:fld>
             <a:endParaRPr lang="en-US"/>
           </a:p>
@@ -899,7 +904,7 @@
           <a:p>
             <a:fld id="{7AAA6B5F-0B8C-4537-BF47-559FDA310FD1}" type="datetimeFigureOut">
               <a:rPr lang="en-US" smtClean="0"/>
-              <a:t>14/09/2024</a:t>
+              <a:t>16/09/2024</a:t>
             </a:fld>
             <a:endParaRPr lang="en-US"/>
           </a:p>
@@ -1174,7 +1179,7 @@
           <a:p>
             <a:fld id="{7AAA6B5F-0B8C-4537-BF47-559FDA310FD1}" type="datetimeFigureOut">
               <a:rPr lang="en-US" smtClean="0"/>
-              <a:t>14/09/2024</a:t>
+              <a:t>16/09/2024</a:t>
             </a:fld>
             <a:endParaRPr lang="en-US"/>
           </a:p>
@@ -1439,7 +1444,7 @@
           <a:p>
             <a:fld id="{7AAA6B5F-0B8C-4537-BF47-559FDA310FD1}" type="datetimeFigureOut">
               <a:rPr lang="en-US" smtClean="0"/>
-              <a:t>14/09/2024</a:t>
+              <a:t>16/09/2024</a:t>
             </a:fld>
             <a:endParaRPr lang="en-US"/>
           </a:p>
@@ -1851,7 +1856,7 @@
           <a:p>
             <a:fld id="{7AAA6B5F-0B8C-4537-BF47-559FDA310FD1}" type="datetimeFigureOut">
               <a:rPr lang="en-US" smtClean="0"/>
-              <a:t>14/09/2024</a:t>
+              <a:t>16/09/2024</a:t>
             </a:fld>
             <a:endParaRPr lang="en-US"/>
           </a:p>
@@ -1992,7 +1997,7 @@
           <a:p>
             <a:fld id="{7AAA6B5F-0B8C-4537-BF47-559FDA310FD1}" type="datetimeFigureOut">
               <a:rPr lang="en-US" smtClean="0"/>
-              <a:t>14/09/2024</a:t>
+              <a:t>16/09/2024</a:t>
             </a:fld>
             <a:endParaRPr lang="en-US"/>
           </a:p>
@@ -2105,7 +2110,7 @@
           <a:p>
             <a:fld id="{7AAA6B5F-0B8C-4537-BF47-559FDA310FD1}" type="datetimeFigureOut">
               <a:rPr lang="en-US" smtClean="0"/>
-              <a:t>14/09/2024</a:t>
+              <a:t>16/09/2024</a:t>
             </a:fld>
             <a:endParaRPr lang="en-US"/>
           </a:p>
@@ -2416,7 +2421,7 @@
           <a:p>
             <a:fld id="{7AAA6B5F-0B8C-4537-BF47-559FDA310FD1}" type="datetimeFigureOut">
               <a:rPr lang="en-US" smtClean="0"/>
-              <a:t>14/09/2024</a:t>
+              <a:t>16/09/2024</a:t>
             </a:fld>
             <a:endParaRPr lang="en-US"/>
           </a:p>
@@ -2704,7 +2709,7 @@
           <a:p>
             <a:fld id="{7AAA6B5F-0B8C-4537-BF47-559FDA310FD1}" type="datetimeFigureOut">
               <a:rPr lang="en-US" smtClean="0"/>
-              <a:t>14/09/2024</a:t>
+              <a:t>16/09/2024</a:t>
             </a:fld>
             <a:endParaRPr lang="en-US"/>
           </a:p>
@@ -2945,7 +2950,7 @@
           <a:p>
             <a:fld id="{7AAA6B5F-0B8C-4537-BF47-559FDA310FD1}" type="datetimeFigureOut">
               <a:rPr lang="en-US" smtClean="0"/>
-              <a:t>14/09/2024</a:t>
+              <a:t>16/09/2024</a:t>
             </a:fld>
             <a:endParaRPr lang="en-US"/>
           </a:p>
@@ -3895,7 +3900,7 @@
           <a:p>
             <a:r>
               <a:rPr lang="en-US"/>
-              <a:t>Cấu trúc Menu:</a:t>
+              <a:t>2)Cấu trúc Menu:</a:t>
             </a:r>
           </a:p>
         </p:txBody>
@@ -3976,37 +3981,119 @@
             <p:ph type="title"/>
           </p:nvPr>
         </p:nvSpPr>
-        <p:spPr/>
-        <p:txBody>
-          <a:bodyPr/>
-          <a:lstStyle/>
-          <a:p>
-            <a:endParaRPr lang="en-US"/>
-          </a:p>
-        </p:txBody>
-      </p:sp>
-      <p:sp>
-        <p:nvSpPr>
-          <p:cNvPr id="3" name="Content Placeholder 2">
-            <a:extLst>
-              <a:ext uri="{FF2B5EF4-FFF2-40B4-BE49-F238E27FC236}">
-                <a16:creationId xmlns:a16="http://schemas.microsoft.com/office/drawing/2014/main" id="{0A6CAC01-43DF-493C-99BE-7FB001A0E8BE}"/>
-              </a:ext>
-            </a:extLst>
-          </p:cNvPr>
-          <p:cNvSpPr>
-            <a:spLocks noGrp="1"/>
-          </p:cNvSpPr>
+        <p:spPr>
+          <a:xfrm>
+            <a:off x="0" y="0"/>
+            <a:ext cx="12192000" cy="568171"/>
+          </a:xfrm>
+        </p:spPr>
+        <p:txBody>
+          <a:bodyPr>
+            <a:normAutofit fontScale="90000"/>
+          </a:bodyPr>
+          <a:lstStyle/>
+          <a:p>
+            <a:r>
+              <a:rPr lang="en-US"/>
+              <a:t>Tạo thêm trang:</a:t>
+            </a:r>
+          </a:p>
+        </p:txBody>
+      </p:sp>
+      <p:pic>
+        <p:nvPicPr>
+          <p:cNvPr id="4" name="Content Placeholder 3">
+            <a:extLst>
+              <a:ext uri="{FF2B5EF4-FFF2-40B4-BE49-F238E27FC236}">
+                <a16:creationId xmlns:a16="http://schemas.microsoft.com/office/drawing/2014/main" id="{FF876B48-BF37-49DB-9B34-654C31EC75C6}"/>
+              </a:ext>
+            </a:extLst>
+          </p:cNvPr>
+          <p:cNvPicPr>
+            <a:picLocks noGrp="1" noChangeAspect="1"/>
+          </p:cNvPicPr>
           <p:nvPr>
             <p:ph idx="1"/>
           </p:nvPr>
-        </p:nvSpPr>
-        <p:spPr/>
-        <p:txBody>
-          <a:bodyPr/>
-          <a:lstStyle/>
-          <a:p>
-            <a:endParaRPr lang="en-US"/>
+        </p:nvPicPr>
+        <p:blipFill>
+          <a:blip r:embed="rId2"/>
+          <a:stretch>
+            <a:fillRect/>
+          </a:stretch>
+        </p:blipFill>
+        <p:spPr>
+          <a:xfrm>
+            <a:off x="450323" y="1154362"/>
+            <a:ext cx="1810003" cy="1486107"/>
+          </a:xfrm>
+          <a:prstGeom prst="rect">
+            <a:avLst/>
+          </a:prstGeom>
+        </p:spPr>
+      </p:pic>
+      <p:pic>
+        <p:nvPicPr>
+          <p:cNvPr id="5" name="Picture 4">
+            <a:extLst>
+              <a:ext uri="{FF2B5EF4-FFF2-40B4-BE49-F238E27FC236}">
+                <a16:creationId xmlns:a16="http://schemas.microsoft.com/office/drawing/2014/main" id="{6F519012-A514-4048-B50B-0F7ECB7C3E5B}"/>
+              </a:ext>
+            </a:extLst>
+          </p:cNvPr>
+          <p:cNvPicPr>
+            <a:picLocks noChangeAspect="1"/>
+          </p:cNvPicPr>
+          <p:nvPr/>
+        </p:nvPicPr>
+        <p:blipFill>
+          <a:blip r:embed="rId3"/>
+          <a:stretch>
+            <a:fillRect/>
+          </a:stretch>
+        </p:blipFill>
+        <p:spPr>
+          <a:xfrm>
+            <a:off x="305493" y="3429000"/>
+            <a:ext cx="11279174" cy="2067213"/>
+          </a:xfrm>
+          <a:prstGeom prst="rect">
+            <a:avLst/>
+          </a:prstGeom>
+        </p:spPr>
+      </p:pic>
+      <p:sp>
+        <p:nvSpPr>
+          <p:cNvPr id="6" name="TextBox 5">
+            <a:extLst>
+              <a:ext uri="{FF2B5EF4-FFF2-40B4-BE49-F238E27FC236}">
+                <a16:creationId xmlns:a16="http://schemas.microsoft.com/office/drawing/2014/main" id="{887113F9-9FCE-41CB-A715-88CE046AD36C}"/>
+              </a:ext>
+            </a:extLst>
+          </p:cNvPr>
+          <p:cNvSpPr txBox="1"/>
+          <p:nvPr/>
+        </p:nvSpPr>
+        <p:spPr>
+          <a:xfrm>
+            <a:off x="4323426" y="2405849"/>
+            <a:ext cx="7111014" cy="369332"/>
+          </a:xfrm>
+          <a:prstGeom prst="rect">
+            <a:avLst/>
+          </a:prstGeom>
+          <a:noFill/>
+        </p:spPr>
+        <p:txBody>
+          <a:bodyPr wrap="square" rtlCol="0">
+            <a:spAutoFit/>
+          </a:bodyPr>
+          <a:lstStyle/>
+          <a:p>
+            <a:r>
+              <a:rPr lang="en-US"/>
+              <a:t>Gõ tên trang sau đó gõ nút “ Đăng ”</a:t>
+            </a:r>
           </a:p>
         </p:txBody>
       </p:sp>
@@ -4040,53 +4127,236 @@
           <a:chExt cx="0" cy="0"/>
         </a:xfrm>
       </p:grpSpPr>
-      <p:sp>
-        <p:nvSpPr>
-          <p:cNvPr id="2" name="Title 1">
-            <a:extLst>
-              <a:ext uri="{FF2B5EF4-FFF2-40B4-BE49-F238E27FC236}">
-                <a16:creationId xmlns:a16="http://schemas.microsoft.com/office/drawing/2014/main" id="{76F9C8A3-2AFF-457A-83C8-78B8AB51461C}"/>
-              </a:ext>
-            </a:extLst>
-          </p:cNvPr>
-          <p:cNvSpPr>
-            <a:spLocks noGrp="1"/>
-          </p:cNvSpPr>
-          <p:nvPr>
-            <p:ph type="title"/>
-          </p:nvPr>
-        </p:nvSpPr>
-        <p:spPr/>
-        <p:txBody>
-          <a:bodyPr/>
-          <a:lstStyle/>
-          <a:p>
-            <a:endParaRPr lang="en-US"/>
-          </a:p>
-        </p:txBody>
-      </p:sp>
-      <p:sp>
-        <p:nvSpPr>
-          <p:cNvPr id="3" name="Content Placeholder 2">
-            <a:extLst>
-              <a:ext uri="{FF2B5EF4-FFF2-40B4-BE49-F238E27FC236}">
-                <a16:creationId xmlns:a16="http://schemas.microsoft.com/office/drawing/2014/main" id="{A34CC311-C590-4D9C-844B-2787555B3A1F}"/>
-              </a:ext>
-            </a:extLst>
-          </p:cNvPr>
-          <p:cNvSpPr>
-            <a:spLocks noGrp="1"/>
-          </p:cNvSpPr>
-          <p:nvPr>
-            <p:ph idx="1"/>
-          </p:nvPr>
-        </p:nvSpPr>
-        <p:spPr/>
-        <p:txBody>
-          <a:bodyPr/>
-          <a:lstStyle/>
-          <a:p>
-            <a:endParaRPr lang="en-US"/>
+      <p:pic>
+        <p:nvPicPr>
+          <p:cNvPr id="4" name="Picture 3">
+            <a:extLst>
+              <a:ext uri="{FF2B5EF4-FFF2-40B4-BE49-F238E27FC236}">
+                <a16:creationId xmlns:a16="http://schemas.microsoft.com/office/drawing/2014/main" id="{C0B7AF55-3A45-4D26-AC1C-1D5CE9F6826F}"/>
+              </a:ext>
+            </a:extLst>
+          </p:cNvPr>
+          <p:cNvPicPr>
+            <a:picLocks noChangeAspect="1"/>
+          </p:cNvPicPr>
+          <p:nvPr/>
+        </p:nvPicPr>
+        <p:blipFill>
+          <a:blip r:embed="rId2"/>
+          <a:stretch>
+            <a:fillRect/>
+          </a:stretch>
+        </p:blipFill>
+        <p:spPr>
+          <a:xfrm>
+            <a:off x="546346" y="78944"/>
+            <a:ext cx="2730623" cy="3241306"/>
+          </a:xfrm>
+          <a:prstGeom prst="rect">
+            <a:avLst/>
+          </a:prstGeom>
+        </p:spPr>
+      </p:pic>
+      <p:sp>
+        <p:nvSpPr>
+          <p:cNvPr id="5" name="TextBox 4">
+            <a:extLst>
+              <a:ext uri="{FF2B5EF4-FFF2-40B4-BE49-F238E27FC236}">
+                <a16:creationId xmlns:a16="http://schemas.microsoft.com/office/drawing/2014/main" id="{AA60EE62-C506-4A8D-84E0-A078E053BDA8}"/>
+              </a:ext>
+            </a:extLst>
+          </p:cNvPr>
+          <p:cNvSpPr txBox="1"/>
+          <p:nvPr/>
+        </p:nvSpPr>
+        <p:spPr>
+          <a:xfrm>
+            <a:off x="3693111" y="884440"/>
+            <a:ext cx="6587231" cy="369332"/>
+          </a:xfrm>
+          <a:prstGeom prst="rect">
+            <a:avLst/>
+          </a:prstGeom>
+          <a:noFill/>
+        </p:spPr>
+        <p:txBody>
+          <a:bodyPr wrap="square" rtlCol="0">
+            <a:spAutoFit/>
+          </a:bodyPr>
+          <a:lstStyle/>
+          <a:p>
+            <a:r>
+              <a:rPr lang="en-US"/>
+              <a:t>Tạo liên kết khi nhấn vào Logo thì quay về trang chủ</a:t>
+            </a:r>
+          </a:p>
+        </p:txBody>
+      </p:sp>
+      <p:pic>
+        <p:nvPicPr>
+          <p:cNvPr id="6" name="Picture 5">
+            <a:extLst>
+              <a:ext uri="{FF2B5EF4-FFF2-40B4-BE49-F238E27FC236}">
+                <a16:creationId xmlns:a16="http://schemas.microsoft.com/office/drawing/2014/main" id="{4E454B06-C06E-4A5E-8B1A-FDCC301C8B12}"/>
+              </a:ext>
+            </a:extLst>
+          </p:cNvPr>
+          <p:cNvPicPr>
+            <a:picLocks noChangeAspect="1"/>
+          </p:cNvPicPr>
+          <p:nvPr/>
+        </p:nvPicPr>
+        <p:blipFill>
+          <a:blip r:embed="rId3"/>
+          <a:stretch>
+            <a:fillRect/>
+          </a:stretch>
+        </p:blipFill>
+        <p:spPr>
+          <a:xfrm>
+            <a:off x="679511" y="4121296"/>
+            <a:ext cx="3543795" cy="581106"/>
+          </a:xfrm>
+          <a:prstGeom prst="rect">
+            <a:avLst/>
+          </a:prstGeom>
+        </p:spPr>
+      </p:pic>
+      <p:sp>
+        <p:nvSpPr>
+          <p:cNvPr id="7" name="TextBox 6">
+            <a:extLst>
+              <a:ext uri="{FF2B5EF4-FFF2-40B4-BE49-F238E27FC236}">
+                <a16:creationId xmlns:a16="http://schemas.microsoft.com/office/drawing/2014/main" id="{2BE8F743-B878-4091-B4B1-99A1C9470E73}"/>
+              </a:ext>
+            </a:extLst>
+          </p:cNvPr>
+          <p:cNvSpPr txBox="1"/>
+          <p:nvPr/>
+        </p:nvSpPr>
+        <p:spPr>
+          <a:xfrm>
+            <a:off x="5175682" y="4227183"/>
+            <a:ext cx="3266983" cy="369332"/>
+          </a:xfrm>
+          <a:prstGeom prst="rect">
+            <a:avLst/>
+          </a:prstGeom>
+          <a:noFill/>
+        </p:spPr>
+        <p:txBody>
+          <a:bodyPr wrap="square" rtlCol="0">
+            <a:spAutoFit/>
+          </a:bodyPr>
+          <a:lstStyle/>
+          <a:p>
+            <a:r>
+              <a:rPr lang="en-US"/>
+              <a:t>Sửa phần thông tin liên hệ:</a:t>
+            </a:r>
+          </a:p>
+        </p:txBody>
+      </p:sp>
+      <p:pic>
+        <p:nvPicPr>
+          <p:cNvPr id="8" name="Picture 7">
+            <a:extLst>
+              <a:ext uri="{FF2B5EF4-FFF2-40B4-BE49-F238E27FC236}">
+                <a16:creationId xmlns:a16="http://schemas.microsoft.com/office/drawing/2014/main" id="{6E4F2B36-0047-42CC-8087-0522F0935484}"/>
+              </a:ext>
+            </a:extLst>
+          </p:cNvPr>
+          <p:cNvPicPr>
+            <a:picLocks noChangeAspect="1"/>
+          </p:cNvPicPr>
+          <p:nvPr/>
+        </p:nvPicPr>
+        <p:blipFill>
+          <a:blip r:embed="rId4"/>
+          <a:stretch>
+            <a:fillRect/>
+          </a:stretch>
+        </p:blipFill>
+        <p:spPr>
+          <a:xfrm>
+            <a:off x="545886" y="5419562"/>
+            <a:ext cx="4629796" cy="333422"/>
+          </a:xfrm>
+          <a:prstGeom prst="rect">
+            <a:avLst/>
+          </a:prstGeom>
+        </p:spPr>
+      </p:pic>
+      <p:pic>
+        <p:nvPicPr>
+          <p:cNvPr id="9" name="Picture 8">
+            <a:extLst>
+              <a:ext uri="{FF2B5EF4-FFF2-40B4-BE49-F238E27FC236}">
+                <a16:creationId xmlns:a16="http://schemas.microsoft.com/office/drawing/2014/main" id="{78B9BD9B-7432-47A0-8F19-F33ACB847FC5}"/>
+              </a:ext>
+            </a:extLst>
+          </p:cNvPr>
+          <p:cNvPicPr>
+            <a:picLocks noChangeAspect="1"/>
+          </p:cNvPicPr>
+          <p:nvPr/>
+        </p:nvPicPr>
+        <p:blipFill>
+          <a:blip r:embed="rId5"/>
+          <a:stretch>
+            <a:fillRect/>
+          </a:stretch>
+        </p:blipFill>
+        <p:spPr>
+          <a:xfrm>
+            <a:off x="4089680" y="6035137"/>
+            <a:ext cx="1086002" cy="276264"/>
+          </a:xfrm>
+          <a:prstGeom prst="rect">
+            <a:avLst/>
+          </a:prstGeom>
+        </p:spPr>
+      </p:pic>
+      <p:sp>
+        <p:nvSpPr>
+          <p:cNvPr id="10" name="TextBox 9">
+            <a:extLst>
+              <a:ext uri="{FF2B5EF4-FFF2-40B4-BE49-F238E27FC236}">
+                <a16:creationId xmlns:a16="http://schemas.microsoft.com/office/drawing/2014/main" id="{2C16C5DA-455D-4203-89D4-6406C9F5E684}"/>
+              </a:ext>
+            </a:extLst>
+          </p:cNvPr>
+          <p:cNvSpPr txBox="1"/>
+          <p:nvPr/>
+        </p:nvSpPr>
+        <p:spPr>
+          <a:xfrm>
+            <a:off x="5658036" y="5419562"/>
+            <a:ext cx="6223247" cy="369332"/>
+          </a:xfrm>
+          <a:prstGeom prst="rect">
+            <a:avLst/>
+          </a:prstGeom>
+          <a:noFill/>
+        </p:spPr>
+        <p:txBody>
+          <a:bodyPr wrap="square" rtlCol="0">
+            <a:spAutoFit/>
+          </a:bodyPr>
+          <a:lstStyle/>
+          <a:p>
+            <a:r>
+              <a:rPr lang="en-US"/>
+              <a:t>Chỉnh sửa đ</a:t>
+            </a:r>
+            <a:r>
+              <a:rPr lang="vi-VN"/>
+              <a:t>ư</a:t>
+            </a:r>
+            <a:r>
+              <a:rPr lang="en-US"/>
+              <a:t>ờng Link mạng xã hội.</a:t>
+            </a:r>
           </a:p>
         </p:txBody>
       </p:sp>
@@ -4136,40 +4406,55 @@
             <p:ph type="title"/>
           </p:nvPr>
         </p:nvSpPr>
-        <p:spPr/>
-        <p:txBody>
-          <a:bodyPr/>
-          <a:lstStyle/>
-          <a:p>
-            <a:endParaRPr lang="en-US"/>
-          </a:p>
-        </p:txBody>
-      </p:sp>
-      <p:sp>
-        <p:nvSpPr>
-          <p:cNvPr id="3" name="Content Placeholder 2">
-            <a:extLst>
-              <a:ext uri="{FF2B5EF4-FFF2-40B4-BE49-F238E27FC236}">
-                <a16:creationId xmlns:a16="http://schemas.microsoft.com/office/drawing/2014/main" id="{169F3857-4431-4A04-99CA-7F127CB04486}"/>
-              </a:ext>
-            </a:extLst>
-          </p:cNvPr>
-          <p:cNvSpPr>
-            <a:spLocks noGrp="1"/>
-          </p:cNvSpPr>
+        <p:spPr>
+          <a:xfrm>
+            <a:off x="0" y="18255"/>
+            <a:ext cx="12192000" cy="736347"/>
+          </a:xfrm>
+        </p:spPr>
+        <p:txBody>
+          <a:bodyPr/>
+          <a:lstStyle/>
+          <a:p>
+            <a:r>
+              <a:rPr lang="en-US"/>
+              <a:t>3) Footer </a:t>
+            </a:r>
+          </a:p>
+        </p:txBody>
+      </p:sp>
+      <p:pic>
+        <p:nvPicPr>
+          <p:cNvPr id="4" name="Content Placeholder 3">
+            <a:extLst>
+              <a:ext uri="{FF2B5EF4-FFF2-40B4-BE49-F238E27FC236}">
+                <a16:creationId xmlns:a16="http://schemas.microsoft.com/office/drawing/2014/main" id="{130F5DCE-217D-463B-8E8E-3075B0CCB7A2}"/>
+              </a:ext>
+            </a:extLst>
+          </p:cNvPr>
+          <p:cNvPicPr>
+            <a:picLocks noGrp="1" noChangeAspect="1"/>
+          </p:cNvPicPr>
           <p:nvPr>
             <p:ph idx="1"/>
           </p:nvPr>
-        </p:nvSpPr>
-        <p:spPr/>
-        <p:txBody>
-          <a:bodyPr/>
-          <a:lstStyle/>
-          <a:p>
-            <a:endParaRPr lang="en-US"/>
-          </a:p>
-        </p:txBody>
-      </p:sp>
+        </p:nvPicPr>
+        <p:blipFill>
+          <a:blip r:embed="rId2"/>
+          <a:stretch>
+            <a:fillRect/>
+          </a:stretch>
+        </p:blipFill>
+        <p:spPr>
+          <a:xfrm>
+            <a:off x="273842" y="843379"/>
+            <a:ext cx="7085747" cy="5792973"/>
+          </a:xfrm>
+          <a:prstGeom prst="rect">
+            <a:avLst/>
+          </a:prstGeom>
+        </p:spPr>
+      </p:pic>
     </p:spTree>
     <p:extLst>
       <p:ext uri="{BB962C8B-B14F-4D97-AF65-F5344CB8AC3E}">
@@ -4216,40 +4501,55 @@
             <p:ph type="title"/>
           </p:nvPr>
         </p:nvSpPr>
-        <p:spPr/>
-        <p:txBody>
-          <a:bodyPr/>
-          <a:lstStyle/>
-          <a:p>
-            <a:endParaRPr lang="en-US"/>
-          </a:p>
-        </p:txBody>
-      </p:sp>
-      <p:sp>
-        <p:nvSpPr>
-          <p:cNvPr id="3" name="Content Placeholder 2">
-            <a:extLst>
-              <a:ext uri="{FF2B5EF4-FFF2-40B4-BE49-F238E27FC236}">
-                <a16:creationId xmlns:a16="http://schemas.microsoft.com/office/drawing/2014/main" id="{64532FC0-0259-4843-90E5-52745055E293}"/>
-              </a:ext>
-            </a:extLst>
-          </p:cNvPr>
-          <p:cNvSpPr>
-            <a:spLocks noGrp="1"/>
-          </p:cNvSpPr>
-          <p:nvPr>
-            <p:ph idx="1"/>
-          </p:nvPr>
-        </p:nvSpPr>
-        <p:spPr/>
-        <p:txBody>
-          <a:bodyPr/>
-          <a:lstStyle/>
-          <a:p>
-            <a:endParaRPr lang="en-US"/>
-          </a:p>
-        </p:txBody>
-      </p:sp>
+        <p:spPr>
+          <a:xfrm>
+            <a:off x="0" y="18255"/>
+            <a:ext cx="12192000" cy="1171353"/>
+          </a:xfrm>
+        </p:spPr>
+        <p:txBody>
+          <a:bodyPr>
+            <a:normAutofit fontScale="90000"/>
+          </a:bodyPr>
+          <a:lstStyle/>
+          <a:p>
+            <a:r>
+              <a:rPr lang="en-US"/>
+              <a:t>Chọn Footer và vị trí hiển thị là trên toàn bộ trang Web</a:t>
+            </a:r>
+          </a:p>
+        </p:txBody>
+      </p:sp>
+      <p:pic>
+        <p:nvPicPr>
+          <p:cNvPr id="4" name="Picture 3">
+            <a:extLst>
+              <a:ext uri="{FF2B5EF4-FFF2-40B4-BE49-F238E27FC236}">
+                <a16:creationId xmlns:a16="http://schemas.microsoft.com/office/drawing/2014/main" id="{8FE4DFB2-0884-4657-AFEF-6B70DB538A67}"/>
+              </a:ext>
+            </a:extLst>
+          </p:cNvPr>
+          <p:cNvPicPr>
+            <a:picLocks noChangeAspect="1"/>
+          </p:cNvPicPr>
+          <p:nvPr/>
+        </p:nvPicPr>
+        <p:blipFill>
+          <a:blip r:embed="rId2"/>
+          <a:stretch>
+            <a:fillRect/>
+          </a:stretch>
+        </p:blipFill>
+        <p:spPr>
+          <a:xfrm>
+            <a:off x="234518" y="1421058"/>
+            <a:ext cx="11102266" cy="4015883"/>
+          </a:xfrm>
+          <a:prstGeom prst="rect">
+            <a:avLst/>
+          </a:prstGeom>
+        </p:spPr>
+      </p:pic>
     </p:spTree>
     <p:extLst>
       <p:ext uri="{BB962C8B-B14F-4D97-AF65-F5344CB8AC3E}">
@@ -4280,52 +4580,139 @@
           <a:chExt cx="0" cy="0"/>
         </a:xfrm>
       </p:grpSpPr>
-      <p:sp>
-        <p:nvSpPr>
-          <p:cNvPr id="2" name="Title 1">
-            <a:extLst>
-              <a:ext uri="{FF2B5EF4-FFF2-40B4-BE49-F238E27FC236}">
-                <a16:creationId xmlns:a16="http://schemas.microsoft.com/office/drawing/2014/main" id="{8025697D-E339-46A2-8DF0-C180D89424D4}"/>
-              </a:ext>
-            </a:extLst>
-          </p:cNvPr>
-          <p:cNvSpPr>
-            <a:spLocks noGrp="1"/>
-          </p:cNvSpPr>
-          <p:nvPr>
-            <p:ph type="title"/>
-          </p:nvPr>
-        </p:nvSpPr>
-        <p:spPr/>
-        <p:txBody>
-          <a:bodyPr/>
-          <a:lstStyle/>
-          <a:p>
-            <a:endParaRPr lang="en-US"/>
-          </a:p>
-        </p:txBody>
-      </p:sp>
-      <p:sp>
-        <p:nvSpPr>
-          <p:cNvPr id="3" name="Content Placeholder 2">
-            <a:extLst>
-              <a:ext uri="{FF2B5EF4-FFF2-40B4-BE49-F238E27FC236}">
-                <a16:creationId xmlns:a16="http://schemas.microsoft.com/office/drawing/2014/main" id="{01EEA1BE-2571-4289-B179-312A3A82A0A5}"/>
-              </a:ext>
-            </a:extLst>
-          </p:cNvPr>
-          <p:cNvSpPr>
-            <a:spLocks noGrp="1"/>
-          </p:cNvSpPr>
-          <p:nvPr>
-            <p:ph idx="1"/>
-          </p:nvPr>
-        </p:nvSpPr>
-        <p:spPr/>
-        <p:txBody>
-          <a:bodyPr/>
-          <a:lstStyle/>
-          <a:p>
+      <p:pic>
+        <p:nvPicPr>
+          <p:cNvPr id="4" name="Picture 3">
+            <a:extLst>
+              <a:ext uri="{FF2B5EF4-FFF2-40B4-BE49-F238E27FC236}">
+                <a16:creationId xmlns:a16="http://schemas.microsoft.com/office/drawing/2014/main" id="{E918BCDA-D598-4652-BA3D-FA8803A156BD}"/>
+              </a:ext>
+            </a:extLst>
+          </p:cNvPr>
+          <p:cNvPicPr>
+            <a:picLocks noChangeAspect="1"/>
+          </p:cNvPicPr>
+          <p:nvPr/>
+        </p:nvPicPr>
+        <p:blipFill>
+          <a:blip r:embed="rId2"/>
+          <a:stretch>
+            <a:fillRect/>
+          </a:stretch>
+        </p:blipFill>
+        <p:spPr>
+          <a:xfrm>
+            <a:off x="516695" y="258005"/>
+            <a:ext cx="4163006" cy="1277832"/>
+          </a:xfrm>
+          <a:prstGeom prst="rect">
+            <a:avLst/>
+          </a:prstGeom>
+        </p:spPr>
+      </p:pic>
+      <p:pic>
+        <p:nvPicPr>
+          <p:cNvPr id="5" name="Picture 4">
+            <a:extLst>
+              <a:ext uri="{FF2B5EF4-FFF2-40B4-BE49-F238E27FC236}">
+                <a16:creationId xmlns:a16="http://schemas.microsoft.com/office/drawing/2014/main" id="{261932A7-503F-46A7-96CF-0BF893C4E31E}"/>
+              </a:ext>
+            </a:extLst>
+          </p:cNvPr>
+          <p:cNvPicPr>
+            <a:picLocks noChangeAspect="1"/>
+          </p:cNvPicPr>
+          <p:nvPr/>
+        </p:nvPicPr>
+        <p:blipFill>
+          <a:blip r:embed="rId3"/>
+          <a:stretch>
+            <a:fillRect/>
+          </a:stretch>
+        </p:blipFill>
+        <p:spPr>
+          <a:xfrm>
+            <a:off x="382981" y="2117928"/>
+            <a:ext cx="9835217" cy="4610743"/>
+          </a:xfrm>
+          <a:prstGeom prst="rect">
+            <a:avLst/>
+          </a:prstGeom>
+        </p:spPr>
+      </p:pic>
+      <p:pic>
+        <p:nvPicPr>
+          <p:cNvPr id="6" name="Picture 5">
+            <a:extLst>
+              <a:ext uri="{FF2B5EF4-FFF2-40B4-BE49-F238E27FC236}">
+                <a16:creationId xmlns:a16="http://schemas.microsoft.com/office/drawing/2014/main" id="{875F6F5E-0507-4741-BE5C-E1B85DA911C2}"/>
+              </a:ext>
+            </a:extLst>
+          </p:cNvPr>
+          <p:cNvPicPr>
+            <a:picLocks noChangeAspect="1"/>
+          </p:cNvPicPr>
+          <p:nvPr/>
+        </p:nvPicPr>
+        <p:blipFill>
+          <a:blip r:embed="rId4"/>
+          <a:stretch>
+            <a:fillRect/>
+          </a:stretch>
+        </p:blipFill>
+        <p:spPr>
+          <a:xfrm>
+            <a:off x="9008354" y="497702"/>
+            <a:ext cx="2419688" cy="1433794"/>
+          </a:xfrm>
+          <a:prstGeom prst="rect">
+            <a:avLst/>
+          </a:prstGeom>
+        </p:spPr>
+      </p:pic>
+      <p:sp>
+        <p:nvSpPr>
+          <p:cNvPr id="7" name="Rectangle 6">
+            <a:extLst>
+              <a:ext uri="{FF2B5EF4-FFF2-40B4-BE49-F238E27FC236}">
+                <a16:creationId xmlns:a16="http://schemas.microsoft.com/office/drawing/2014/main" id="{5528F4FD-38E2-4846-8147-BD667E5BA59C}"/>
+              </a:ext>
+            </a:extLst>
+          </p:cNvPr>
+          <p:cNvSpPr/>
+          <p:nvPr/>
+        </p:nvSpPr>
+        <p:spPr>
+          <a:xfrm>
+            <a:off x="516695" y="2867487"/>
+            <a:ext cx="2324159" cy="1828800"/>
+          </a:xfrm>
+          <a:prstGeom prst="rect">
+            <a:avLst/>
+          </a:prstGeom>
+          <a:noFill/>
+        </p:spPr>
+        <p:style>
+          <a:lnRef idx="2">
+            <a:schemeClr val="accent2">
+              <a:shade val="50000"/>
+            </a:schemeClr>
+          </a:lnRef>
+          <a:fillRef idx="1">
+            <a:schemeClr val="accent2"/>
+          </a:fillRef>
+          <a:effectRef idx="0">
+            <a:schemeClr val="accent2"/>
+          </a:effectRef>
+          <a:fontRef idx="minor">
+            <a:schemeClr val="lt1"/>
+          </a:fontRef>
+        </p:style>
+        <p:txBody>
+          <a:bodyPr rtlCol="0" anchor="ctr"/>
+          <a:lstStyle/>
+          <a:p>
+            <a:pPr algn="ctr"/>
             <a:endParaRPr lang="en-US"/>
           </a:p>
         </p:txBody>
@@ -4333,7 +4720,7 @@
     </p:spTree>
     <p:extLst>
       <p:ext uri="{BB962C8B-B14F-4D97-AF65-F5344CB8AC3E}">
-        <p14:creationId xmlns:p14="http://schemas.microsoft.com/office/powerpoint/2010/main" val="4061319462"/>
+        <p14:creationId xmlns:p14="http://schemas.microsoft.com/office/powerpoint/2010/main" val="279030212"/>
       </p:ext>
     </p:extLst>
   </p:cSld>
@@ -4365,7 +4752,7 @@
           <p:cNvPr id="2" name="Title 1">
             <a:extLst>
               <a:ext uri="{FF2B5EF4-FFF2-40B4-BE49-F238E27FC236}">
-                <a16:creationId xmlns:a16="http://schemas.microsoft.com/office/drawing/2014/main" id="{58748B9C-A99F-4552-9B57-6D6DE3A966F0}"/>
+                <a16:creationId xmlns:a16="http://schemas.microsoft.com/office/drawing/2014/main" id="{66C3C3EB-F292-44E8-9970-2DBD9D66FD76}"/>
               </a:ext>
             </a:extLst>
           </p:cNvPr>
@@ -4390,7 +4777,7 @@
           <p:cNvPr id="3" name="Content Placeholder 2">
             <a:extLst>
               <a:ext uri="{FF2B5EF4-FFF2-40B4-BE49-F238E27FC236}">
-                <a16:creationId xmlns:a16="http://schemas.microsoft.com/office/drawing/2014/main" id="{C15808C4-315D-4B62-B534-2027A6B78673}"/>
+                <a16:creationId xmlns:a16="http://schemas.microsoft.com/office/drawing/2014/main" id="{BB44E87D-2EE3-4CE5-98A0-CA624746A555}"/>
               </a:ext>
             </a:extLst>
           </p:cNvPr>
@@ -4413,7 +4800,7 @@
     </p:spTree>
     <p:extLst>
       <p:ext uri="{BB962C8B-B14F-4D97-AF65-F5344CB8AC3E}">
-        <p14:creationId xmlns:p14="http://schemas.microsoft.com/office/powerpoint/2010/main" val="2267597214"/>
+        <p14:creationId xmlns:p14="http://schemas.microsoft.com/office/powerpoint/2010/main" val="679144642"/>
       </p:ext>
     </p:extLst>
   </p:cSld>
@@ -4772,7 +5159,7 @@
           <p:cNvPr id="2" name="Title 1">
             <a:extLst>
               <a:ext uri="{FF2B5EF4-FFF2-40B4-BE49-F238E27FC236}">
-                <a16:creationId xmlns:a16="http://schemas.microsoft.com/office/drawing/2014/main" id="{5D16102E-2315-4673-BD18-51DF2D00DDC5}"/>
+                <a16:creationId xmlns:a16="http://schemas.microsoft.com/office/drawing/2014/main" id="{B5290246-9202-4DD5-B6C3-3459E81C3709}"/>
               </a:ext>
             </a:extLst>
           </p:cNvPr>
@@ -4797,7 +5184,7 @@
           <p:cNvPr id="3" name="Content Placeholder 2">
             <a:extLst>
               <a:ext uri="{FF2B5EF4-FFF2-40B4-BE49-F238E27FC236}">
-                <a16:creationId xmlns:a16="http://schemas.microsoft.com/office/drawing/2014/main" id="{4AE4AB03-0D9D-4226-A363-6101B0A6B753}"/>
+                <a16:creationId xmlns:a16="http://schemas.microsoft.com/office/drawing/2014/main" id="{81B5C528-BF01-451D-A3CF-7DEB838BF40B}"/>
               </a:ext>
             </a:extLst>
           </p:cNvPr>
@@ -4820,7 +5207,7 @@
     </p:spTree>
     <p:extLst>
       <p:ext uri="{BB962C8B-B14F-4D97-AF65-F5344CB8AC3E}">
-        <p14:creationId xmlns:p14="http://schemas.microsoft.com/office/powerpoint/2010/main" val="1955122286"/>
+        <p14:creationId xmlns:p14="http://schemas.microsoft.com/office/powerpoint/2010/main" val="1857349846"/>
       </p:ext>
     </p:extLst>
   </p:cSld>
@@ -4852,7 +5239,7 @@
           <p:cNvPr id="2" name="Title 1">
             <a:extLst>
               <a:ext uri="{FF2B5EF4-FFF2-40B4-BE49-F238E27FC236}">
-                <a16:creationId xmlns:a16="http://schemas.microsoft.com/office/drawing/2014/main" id="{5171373E-B96B-46B0-B4BF-6B7AA71AC29E}"/>
+                <a16:creationId xmlns:a16="http://schemas.microsoft.com/office/drawing/2014/main" id="{FF23680E-06FD-4A14-A829-742FD6D46611}"/>
               </a:ext>
             </a:extLst>
           </p:cNvPr>
@@ -4877,7 +5264,7 @@
           <p:cNvPr id="3" name="Content Placeholder 2">
             <a:extLst>
               <a:ext uri="{FF2B5EF4-FFF2-40B4-BE49-F238E27FC236}">
-                <a16:creationId xmlns:a16="http://schemas.microsoft.com/office/drawing/2014/main" id="{70D1F161-B721-49AC-AAAC-77EC6F080BA0}"/>
+                <a16:creationId xmlns:a16="http://schemas.microsoft.com/office/drawing/2014/main" id="{7ED6E202-536E-4A3A-AC8A-C46D9379F8D5}"/>
               </a:ext>
             </a:extLst>
           </p:cNvPr>
@@ -4900,7 +5287,7 @@
     </p:spTree>
     <p:extLst>
       <p:ext uri="{BB962C8B-B14F-4D97-AF65-F5344CB8AC3E}">
-        <p14:creationId xmlns:p14="http://schemas.microsoft.com/office/powerpoint/2010/main" val="3421527460"/>
+        <p14:creationId xmlns:p14="http://schemas.microsoft.com/office/powerpoint/2010/main" val="3520705177"/>
       </p:ext>
     </p:extLst>
   </p:cSld>
@@ -4932,7 +5319,7 @@
           <p:cNvPr id="2" name="Title 1">
             <a:extLst>
               <a:ext uri="{FF2B5EF4-FFF2-40B4-BE49-F238E27FC236}">
-                <a16:creationId xmlns:a16="http://schemas.microsoft.com/office/drawing/2014/main" id="{3F9D5A44-29D9-499E-A886-D14497217186}"/>
+                <a16:creationId xmlns:a16="http://schemas.microsoft.com/office/drawing/2014/main" id="{07AF9D8E-7775-459F-81D1-A336B92D39CB}"/>
               </a:ext>
             </a:extLst>
           </p:cNvPr>
@@ -4957,7 +5344,7 @@
           <p:cNvPr id="3" name="Content Placeholder 2">
             <a:extLst>
               <a:ext uri="{FF2B5EF4-FFF2-40B4-BE49-F238E27FC236}">
-                <a16:creationId xmlns:a16="http://schemas.microsoft.com/office/drawing/2014/main" id="{3D5E41E6-6B7E-479A-A427-696281635763}"/>
+                <a16:creationId xmlns:a16="http://schemas.microsoft.com/office/drawing/2014/main" id="{60329979-5167-4439-95F8-36EBE11A6B15}"/>
               </a:ext>
             </a:extLst>
           </p:cNvPr>
@@ -4980,7 +5367,7 @@
     </p:spTree>
     <p:extLst>
       <p:ext uri="{BB962C8B-B14F-4D97-AF65-F5344CB8AC3E}">
-        <p14:creationId xmlns:p14="http://schemas.microsoft.com/office/powerpoint/2010/main" val="2265115563"/>
+        <p14:creationId xmlns:p14="http://schemas.microsoft.com/office/powerpoint/2010/main" val="4261816215"/>
       </p:ext>
     </p:extLst>
   </p:cSld>
@@ -5012,7 +5399,7 @@
           <p:cNvPr id="2" name="Title 1">
             <a:extLst>
               <a:ext uri="{FF2B5EF4-FFF2-40B4-BE49-F238E27FC236}">
-                <a16:creationId xmlns:a16="http://schemas.microsoft.com/office/drawing/2014/main" id="{65893909-6274-40E9-8581-AA9DD46AF92C}"/>
+                <a16:creationId xmlns:a16="http://schemas.microsoft.com/office/drawing/2014/main" id="{8025697D-E339-46A2-8DF0-C180D89424D4}"/>
               </a:ext>
             </a:extLst>
           </p:cNvPr>
@@ -5037,7 +5424,7 @@
           <p:cNvPr id="3" name="Content Placeholder 2">
             <a:extLst>
               <a:ext uri="{FF2B5EF4-FFF2-40B4-BE49-F238E27FC236}">
-                <a16:creationId xmlns:a16="http://schemas.microsoft.com/office/drawing/2014/main" id="{5D6D62B0-7DBA-4BF1-BBD8-3527AFBBFF60}"/>
+                <a16:creationId xmlns:a16="http://schemas.microsoft.com/office/drawing/2014/main" id="{01EEA1BE-2571-4289-B179-312A3A82A0A5}"/>
               </a:ext>
             </a:extLst>
           </p:cNvPr>
@@ -5060,7 +5447,7 @@
     </p:spTree>
     <p:extLst>
       <p:ext uri="{BB962C8B-B14F-4D97-AF65-F5344CB8AC3E}">
-        <p14:creationId xmlns:p14="http://schemas.microsoft.com/office/powerpoint/2010/main" val="3396644875"/>
+        <p14:creationId xmlns:p14="http://schemas.microsoft.com/office/powerpoint/2010/main" val="4061319462"/>
       </p:ext>
     </p:extLst>
   </p:cSld>
@@ -5092,7 +5479,7 @@
           <p:cNvPr id="2" name="Title 1">
             <a:extLst>
               <a:ext uri="{FF2B5EF4-FFF2-40B4-BE49-F238E27FC236}">
-                <a16:creationId xmlns:a16="http://schemas.microsoft.com/office/drawing/2014/main" id="{40A43E60-D053-4A58-9ECF-D4721477B185}"/>
+                <a16:creationId xmlns:a16="http://schemas.microsoft.com/office/drawing/2014/main" id="{58748B9C-A99F-4552-9B57-6D6DE3A966F0}"/>
               </a:ext>
             </a:extLst>
           </p:cNvPr>
@@ -5117,7 +5504,7 @@
           <p:cNvPr id="3" name="Content Placeholder 2">
             <a:extLst>
               <a:ext uri="{FF2B5EF4-FFF2-40B4-BE49-F238E27FC236}">
-                <a16:creationId xmlns:a16="http://schemas.microsoft.com/office/drawing/2014/main" id="{F2E9A785-A54C-4D66-AF23-4392248E2224}"/>
+                <a16:creationId xmlns:a16="http://schemas.microsoft.com/office/drawing/2014/main" id="{C15808C4-315D-4B62-B534-2027A6B78673}"/>
               </a:ext>
             </a:extLst>
           </p:cNvPr>
@@ -5140,7 +5527,7 @@
     </p:spTree>
     <p:extLst>
       <p:ext uri="{BB962C8B-B14F-4D97-AF65-F5344CB8AC3E}">
-        <p14:creationId xmlns:p14="http://schemas.microsoft.com/office/powerpoint/2010/main" val="2802686327"/>
+        <p14:creationId xmlns:p14="http://schemas.microsoft.com/office/powerpoint/2010/main" val="2267597214"/>
       </p:ext>
     </p:extLst>
   </p:cSld>
@@ -5172,7 +5559,7 @@
           <p:cNvPr id="2" name="Title 1">
             <a:extLst>
               <a:ext uri="{FF2B5EF4-FFF2-40B4-BE49-F238E27FC236}">
-                <a16:creationId xmlns:a16="http://schemas.microsoft.com/office/drawing/2014/main" id="{F435705D-1AE8-49C0-8A3C-ED955144CE1B}"/>
+                <a16:creationId xmlns:a16="http://schemas.microsoft.com/office/drawing/2014/main" id="{5D16102E-2315-4673-BD18-51DF2D00DDC5}"/>
               </a:ext>
             </a:extLst>
           </p:cNvPr>
@@ -5197,7 +5584,7 @@
           <p:cNvPr id="3" name="Content Placeholder 2">
             <a:extLst>
               <a:ext uri="{FF2B5EF4-FFF2-40B4-BE49-F238E27FC236}">
-                <a16:creationId xmlns:a16="http://schemas.microsoft.com/office/drawing/2014/main" id="{D9BA820B-4C66-457D-B9F6-8A87C663BA75}"/>
+                <a16:creationId xmlns:a16="http://schemas.microsoft.com/office/drawing/2014/main" id="{4AE4AB03-0D9D-4226-A363-6101B0A6B753}"/>
               </a:ext>
             </a:extLst>
           </p:cNvPr>
@@ -5220,7 +5607,7 @@
     </p:spTree>
     <p:extLst>
       <p:ext uri="{BB962C8B-B14F-4D97-AF65-F5344CB8AC3E}">
-        <p14:creationId xmlns:p14="http://schemas.microsoft.com/office/powerpoint/2010/main" val="4215755043"/>
+        <p14:creationId xmlns:p14="http://schemas.microsoft.com/office/powerpoint/2010/main" val="1955122286"/>
       </p:ext>
     </p:extLst>
   </p:cSld>
@@ -5252,7 +5639,7 @@
           <p:cNvPr id="2" name="Title 1">
             <a:extLst>
               <a:ext uri="{FF2B5EF4-FFF2-40B4-BE49-F238E27FC236}">
-                <a16:creationId xmlns:a16="http://schemas.microsoft.com/office/drawing/2014/main" id="{BF53E897-E0DF-4737-BCB0-79D01B24935C}"/>
+                <a16:creationId xmlns:a16="http://schemas.microsoft.com/office/drawing/2014/main" id="{5171373E-B96B-46B0-B4BF-6B7AA71AC29E}"/>
               </a:ext>
             </a:extLst>
           </p:cNvPr>
@@ -5277,7 +5664,7 @@
           <p:cNvPr id="3" name="Content Placeholder 2">
             <a:extLst>
               <a:ext uri="{FF2B5EF4-FFF2-40B4-BE49-F238E27FC236}">
-                <a16:creationId xmlns:a16="http://schemas.microsoft.com/office/drawing/2014/main" id="{B712D228-60F2-45A6-9B68-9F813F97CD57}"/>
+                <a16:creationId xmlns:a16="http://schemas.microsoft.com/office/drawing/2014/main" id="{70D1F161-B721-49AC-AAAC-77EC6F080BA0}"/>
               </a:ext>
             </a:extLst>
           </p:cNvPr>
@@ -5300,7 +5687,247 @@
     </p:spTree>
     <p:extLst>
       <p:ext uri="{BB962C8B-B14F-4D97-AF65-F5344CB8AC3E}">
-        <p14:creationId xmlns:p14="http://schemas.microsoft.com/office/powerpoint/2010/main" val="1460591040"/>
+        <p14:creationId xmlns:p14="http://schemas.microsoft.com/office/powerpoint/2010/main" val="3421527460"/>
+      </p:ext>
+    </p:extLst>
+  </p:cSld>
+  <p:clrMapOvr>
+    <a:masterClrMapping/>
+  </p:clrMapOvr>
+</p:sld>
+</file>
+
+<file path=ppt/slides/slide27.xml><?xml version="1.0" encoding="utf-8"?>
+<p:sld xmlns:a="http://schemas.openxmlformats.org/drawingml/2006/main" xmlns:r="http://schemas.openxmlformats.org/officeDocument/2006/relationships" xmlns:p="http://schemas.openxmlformats.org/presentationml/2006/main">
+  <p:cSld>
+    <p:spTree>
+      <p:nvGrpSpPr>
+        <p:cNvPr id="1" name=""/>
+        <p:cNvGrpSpPr/>
+        <p:nvPr/>
+      </p:nvGrpSpPr>
+      <p:grpSpPr>
+        <a:xfrm>
+          <a:off x="0" y="0"/>
+          <a:ext cx="0" cy="0"/>
+          <a:chOff x="0" y="0"/>
+          <a:chExt cx="0" cy="0"/>
+        </a:xfrm>
+      </p:grpSpPr>
+      <p:sp>
+        <p:nvSpPr>
+          <p:cNvPr id="2" name="Title 1">
+            <a:extLst>
+              <a:ext uri="{FF2B5EF4-FFF2-40B4-BE49-F238E27FC236}">
+                <a16:creationId xmlns:a16="http://schemas.microsoft.com/office/drawing/2014/main" id="{3F9D5A44-29D9-499E-A886-D14497217186}"/>
+              </a:ext>
+            </a:extLst>
+          </p:cNvPr>
+          <p:cNvSpPr>
+            <a:spLocks noGrp="1"/>
+          </p:cNvSpPr>
+          <p:nvPr>
+            <p:ph type="title"/>
+          </p:nvPr>
+        </p:nvSpPr>
+        <p:spPr/>
+        <p:txBody>
+          <a:bodyPr/>
+          <a:lstStyle/>
+          <a:p>
+            <a:endParaRPr lang="en-US"/>
+          </a:p>
+        </p:txBody>
+      </p:sp>
+      <p:sp>
+        <p:nvSpPr>
+          <p:cNvPr id="3" name="Content Placeholder 2">
+            <a:extLst>
+              <a:ext uri="{FF2B5EF4-FFF2-40B4-BE49-F238E27FC236}">
+                <a16:creationId xmlns:a16="http://schemas.microsoft.com/office/drawing/2014/main" id="{3D5E41E6-6B7E-479A-A427-696281635763}"/>
+              </a:ext>
+            </a:extLst>
+          </p:cNvPr>
+          <p:cNvSpPr>
+            <a:spLocks noGrp="1"/>
+          </p:cNvSpPr>
+          <p:nvPr>
+            <p:ph idx="1"/>
+          </p:nvPr>
+        </p:nvSpPr>
+        <p:spPr/>
+        <p:txBody>
+          <a:bodyPr/>
+          <a:lstStyle/>
+          <a:p>
+            <a:endParaRPr lang="en-US"/>
+          </a:p>
+        </p:txBody>
+      </p:sp>
+    </p:spTree>
+    <p:extLst>
+      <p:ext uri="{BB962C8B-B14F-4D97-AF65-F5344CB8AC3E}">
+        <p14:creationId xmlns:p14="http://schemas.microsoft.com/office/powerpoint/2010/main" val="2265115563"/>
+      </p:ext>
+    </p:extLst>
+  </p:cSld>
+  <p:clrMapOvr>
+    <a:masterClrMapping/>
+  </p:clrMapOvr>
+</p:sld>
+</file>
+
+<file path=ppt/slides/slide28.xml><?xml version="1.0" encoding="utf-8"?>
+<p:sld xmlns:a="http://schemas.openxmlformats.org/drawingml/2006/main" xmlns:r="http://schemas.openxmlformats.org/officeDocument/2006/relationships" xmlns:p="http://schemas.openxmlformats.org/presentationml/2006/main">
+  <p:cSld>
+    <p:spTree>
+      <p:nvGrpSpPr>
+        <p:cNvPr id="1" name=""/>
+        <p:cNvGrpSpPr/>
+        <p:nvPr/>
+      </p:nvGrpSpPr>
+      <p:grpSpPr>
+        <a:xfrm>
+          <a:off x="0" y="0"/>
+          <a:ext cx="0" cy="0"/>
+          <a:chOff x="0" y="0"/>
+          <a:chExt cx="0" cy="0"/>
+        </a:xfrm>
+      </p:grpSpPr>
+      <p:sp>
+        <p:nvSpPr>
+          <p:cNvPr id="2" name="Title 1">
+            <a:extLst>
+              <a:ext uri="{FF2B5EF4-FFF2-40B4-BE49-F238E27FC236}">
+                <a16:creationId xmlns:a16="http://schemas.microsoft.com/office/drawing/2014/main" id="{65893909-6274-40E9-8581-AA9DD46AF92C}"/>
+              </a:ext>
+            </a:extLst>
+          </p:cNvPr>
+          <p:cNvSpPr>
+            <a:spLocks noGrp="1"/>
+          </p:cNvSpPr>
+          <p:nvPr>
+            <p:ph type="title"/>
+          </p:nvPr>
+        </p:nvSpPr>
+        <p:spPr/>
+        <p:txBody>
+          <a:bodyPr/>
+          <a:lstStyle/>
+          <a:p>
+            <a:endParaRPr lang="en-US"/>
+          </a:p>
+        </p:txBody>
+      </p:sp>
+      <p:sp>
+        <p:nvSpPr>
+          <p:cNvPr id="3" name="Content Placeholder 2">
+            <a:extLst>
+              <a:ext uri="{FF2B5EF4-FFF2-40B4-BE49-F238E27FC236}">
+                <a16:creationId xmlns:a16="http://schemas.microsoft.com/office/drawing/2014/main" id="{5D6D62B0-7DBA-4BF1-BBD8-3527AFBBFF60}"/>
+              </a:ext>
+            </a:extLst>
+          </p:cNvPr>
+          <p:cNvSpPr>
+            <a:spLocks noGrp="1"/>
+          </p:cNvSpPr>
+          <p:nvPr>
+            <p:ph idx="1"/>
+          </p:nvPr>
+        </p:nvSpPr>
+        <p:spPr/>
+        <p:txBody>
+          <a:bodyPr/>
+          <a:lstStyle/>
+          <a:p>
+            <a:endParaRPr lang="en-US"/>
+          </a:p>
+        </p:txBody>
+      </p:sp>
+    </p:spTree>
+    <p:extLst>
+      <p:ext uri="{BB962C8B-B14F-4D97-AF65-F5344CB8AC3E}">
+        <p14:creationId xmlns:p14="http://schemas.microsoft.com/office/powerpoint/2010/main" val="3396644875"/>
+      </p:ext>
+    </p:extLst>
+  </p:cSld>
+  <p:clrMapOvr>
+    <a:masterClrMapping/>
+  </p:clrMapOvr>
+</p:sld>
+</file>
+
+<file path=ppt/slides/slide29.xml><?xml version="1.0" encoding="utf-8"?>
+<p:sld xmlns:a="http://schemas.openxmlformats.org/drawingml/2006/main" xmlns:r="http://schemas.openxmlformats.org/officeDocument/2006/relationships" xmlns:p="http://schemas.openxmlformats.org/presentationml/2006/main">
+  <p:cSld>
+    <p:spTree>
+      <p:nvGrpSpPr>
+        <p:cNvPr id="1" name=""/>
+        <p:cNvGrpSpPr/>
+        <p:nvPr/>
+      </p:nvGrpSpPr>
+      <p:grpSpPr>
+        <a:xfrm>
+          <a:off x="0" y="0"/>
+          <a:ext cx="0" cy="0"/>
+          <a:chOff x="0" y="0"/>
+          <a:chExt cx="0" cy="0"/>
+        </a:xfrm>
+      </p:grpSpPr>
+      <p:sp>
+        <p:nvSpPr>
+          <p:cNvPr id="2" name="Title 1">
+            <a:extLst>
+              <a:ext uri="{FF2B5EF4-FFF2-40B4-BE49-F238E27FC236}">
+                <a16:creationId xmlns:a16="http://schemas.microsoft.com/office/drawing/2014/main" id="{40A43E60-D053-4A58-9ECF-D4721477B185}"/>
+              </a:ext>
+            </a:extLst>
+          </p:cNvPr>
+          <p:cNvSpPr>
+            <a:spLocks noGrp="1"/>
+          </p:cNvSpPr>
+          <p:nvPr>
+            <p:ph type="title"/>
+          </p:nvPr>
+        </p:nvSpPr>
+        <p:spPr/>
+        <p:txBody>
+          <a:bodyPr/>
+          <a:lstStyle/>
+          <a:p>
+            <a:endParaRPr lang="en-US"/>
+          </a:p>
+        </p:txBody>
+      </p:sp>
+      <p:sp>
+        <p:nvSpPr>
+          <p:cNvPr id="3" name="Content Placeholder 2">
+            <a:extLst>
+              <a:ext uri="{FF2B5EF4-FFF2-40B4-BE49-F238E27FC236}">
+                <a16:creationId xmlns:a16="http://schemas.microsoft.com/office/drawing/2014/main" id="{F2E9A785-A54C-4D66-AF23-4392248E2224}"/>
+              </a:ext>
+            </a:extLst>
+          </p:cNvPr>
+          <p:cNvSpPr>
+            <a:spLocks noGrp="1"/>
+          </p:cNvSpPr>
+          <p:nvPr>
+            <p:ph idx="1"/>
+          </p:nvPr>
+        </p:nvSpPr>
+        <p:spPr/>
+        <p:txBody>
+          <a:bodyPr/>
+          <a:lstStyle/>
+          <a:p>
+            <a:endParaRPr lang="en-US"/>
+          </a:p>
+        </p:txBody>
+      </p:sp>
+    </p:spTree>
+    <p:extLst>
+      <p:ext uri="{BB962C8B-B14F-4D97-AF65-F5344CB8AC3E}">
+        <p14:creationId xmlns:p14="http://schemas.microsoft.com/office/powerpoint/2010/main" val="2802686327"/>
       </p:ext>
     </p:extLst>
   </p:cSld>
@@ -5394,6 +6021,166 @@
     <p:extLst>
       <p:ext uri="{BB962C8B-B14F-4D97-AF65-F5344CB8AC3E}">
         <p14:creationId xmlns:p14="http://schemas.microsoft.com/office/powerpoint/2010/main" val="218931014"/>
+      </p:ext>
+    </p:extLst>
+  </p:cSld>
+  <p:clrMapOvr>
+    <a:masterClrMapping/>
+  </p:clrMapOvr>
+</p:sld>
+</file>
+
+<file path=ppt/slides/slide30.xml><?xml version="1.0" encoding="utf-8"?>
+<p:sld xmlns:a="http://schemas.openxmlformats.org/drawingml/2006/main" xmlns:r="http://schemas.openxmlformats.org/officeDocument/2006/relationships" xmlns:p="http://schemas.openxmlformats.org/presentationml/2006/main">
+  <p:cSld>
+    <p:spTree>
+      <p:nvGrpSpPr>
+        <p:cNvPr id="1" name=""/>
+        <p:cNvGrpSpPr/>
+        <p:nvPr/>
+      </p:nvGrpSpPr>
+      <p:grpSpPr>
+        <a:xfrm>
+          <a:off x="0" y="0"/>
+          <a:ext cx="0" cy="0"/>
+          <a:chOff x="0" y="0"/>
+          <a:chExt cx="0" cy="0"/>
+        </a:xfrm>
+      </p:grpSpPr>
+      <p:sp>
+        <p:nvSpPr>
+          <p:cNvPr id="2" name="Title 1">
+            <a:extLst>
+              <a:ext uri="{FF2B5EF4-FFF2-40B4-BE49-F238E27FC236}">
+                <a16:creationId xmlns:a16="http://schemas.microsoft.com/office/drawing/2014/main" id="{F435705D-1AE8-49C0-8A3C-ED955144CE1B}"/>
+              </a:ext>
+            </a:extLst>
+          </p:cNvPr>
+          <p:cNvSpPr>
+            <a:spLocks noGrp="1"/>
+          </p:cNvSpPr>
+          <p:nvPr>
+            <p:ph type="title"/>
+          </p:nvPr>
+        </p:nvSpPr>
+        <p:spPr/>
+        <p:txBody>
+          <a:bodyPr/>
+          <a:lstStyle/>
+          <a:p>
+            <a:endParaRPr lang="en-US"/>
+          </a:p>
+        </p:txBody>
+      </p:sp>
+      <p:sp>
+        <p:nvSpPr>
+          <p:cNvPr id="3" name="Content Placeholder 2">
+            <a:extLst>
+              <a:ext uri="{FF2B5EF4-FFF2-40B4-BE49-F238E27FC236}">
+                <a16:creationId xmlns:a16="http://schemas.microsoft.com/office/drawing/2014/main" id="{D9BA820B-4C66-457D-B9F6-8A87C663BA75}"/>
+              </a:ext>
+            </a:extLst>
+          </p:cNvPr>
+          <p:cNvSpPr>
+            <a:spLocks noGrp="1"/>
+          </p:cNvSpPr>
+          <p:nvPr>
+            <p:ph idx="1"/>
+          </p:nvPr>
+        </p:nvSpPr>
+        <p:spPr/>
+        <p:txBody>
+          <a:bodyPr/>
+          <a:lstStyle/>
+          <a:p>
+            <a:endParaRPr lang="en-US"/>
+          </a:p>
+        </p:txBody>
+      </p:sp>
+    </p:spTree>
+    <p:extLst>
+      <p:ext uri="{BB962C8B-B14F-4D97-AF65-F5344CB8AC3E}">
+        <p14:creationId xmlns:p14="http://schemas.microsoft.com/office/powerpoint/2010/main" val="4215755043"/>
+      </p:ext>
+    </p:extLst>
+  </p:cSld>
+  <p:clrMapOvr>
+    <a:masterClrMapping/>
+  </p:clrMapOvr>
+</p:sld>
+</file>
+
+<file path=ppt/slides/slide31.xml><?xml version="1.0" encoding="utf-8"?>
+<p:sld xmlns:a="http://schemas.openxmlformats.org/drawingml/2006/main" xmlns:r="http://schemas.openxmlformats.org/officeDocument/2006/relationships" xmlns:p="http://schemas.openxmlformats.org/presentationml/2006/main">
+  <p:cSld>
+    <p:spTree>
+      <p:nvGrpSpPr>
+        <p:cNvPr id="1" name=""/>
+        <p:cNvGrpSpPr/>
+        <p:nvPr/>
+      </p:nvGrpSpPr>
+      <p:grpSpPr>
+        <a:xfrm>
+          <a:off x="0" y="0"/>
+          <a:ext cx="0" cy="0"/>
+          <a:chOff x="0" y="0"/>
+          <a:chExt cx="0" cy="0"/>
+        </a:xfrm>
+      </p:grpSpPr>
+      <p:sp>
+        <p:nvSpPr>
+          <p:cNvPr id="2" name="Title 1">
+            <a:extLst>
+              <a:ext uri="{FF2B5EF4-FFF2-40B4-BE49-F238E27FC236}">
+                <a16:creationId xmlns:a16="http://schemas.microsoft.com/office/drawing/2014/main" id="{BF53E897-E0DF-4737-BCB0-79D01B24935C}"/>
+              </a:ext>
+            </a:extLst>
+          </p:cNvPr>
+          <p:cNvSpPr>
+            <a:spLocks noGrp="1"/>
+          </p:cNvSpPr>
+          <p:nvPr>
+            <p:ph type="title"/>
+          </p:nvPr>
+        </p:nvSpPr>
+        <p:spPr/>
+        <p:txBody>
+          <a:bodyPr/>
+          <a:lstStyle/>
+          <a:p>
+            <a:endParaRPr lang="en-US"/>
+          </a:p>
+        </p:txBody>
+      </p:sp>
+      <p:sp>
+        <p:nvSpPr>
+          <p:cNvPr id="3" name="Content Placeholder 2">
+            <a:extLst>
+              <a:ext uri="{FF2B5EF4-FFF2-40B4-BE49-F238E27FC236}">
+                <a16:creationId xmlns:a16="http://schemas.microsoft.com/office/drawing/2014/main" id="{B712D228-60F2-45A6-9B68-9F813F97CD57}"/>
+              </a:ext>
+            </a:extLst>
+          </p:cNvPr>
+          <p:cNvSpPr>
+            <a:spLocks noGrp="1"/>
+          </p:cNvSpPr>
+          <p:nvPr>
+            <p:ph idx="1"/>
+          </p:nvPr>
+        </p:nvSpPr>
+        <p:spPr/>
+        <p:txBody>
+          <a:bodyPr/>
+          <a:lstStyle/>
+          <a:p>
+            <a:endParaRPr lang="en-US"/>
+          </a:p>
+        </p:txBody>
+      </p:sp>
+    </p:spTree>
+    <p:extLst>
+      <p:ext uri="{BB962C8B-B14F-4D97-AF65-F5344CB8AC3E}">
+        <p14:creationId xmlns:p14="http://schemas.microsoft.com/office/powerpoint/2010/main" val="1460591040"/>
       </p:ext>
     </p:extLst>
   </p:cSld>
@@ -5974,7 +6761,7 @@
           <a:p>
             <a:r>
               <a:rPr lang="en-US"/>
-              <a:t>Tạo Header Footer:</a:t>
+              <a:t>1) Tạo Header Footer:</a:t>
             </a:r>
           </a:p>
         </p:txBody>
@@ -6001,7 +6788,7 @@
         </p:blipFill>
         <p:spPr>
           <a:xfrm>
-            <a:off x="0" y="1813896"/>
+            <a:off x="103943" y="1955938"/>
             <a:ext cx="4314548" cy="2622088"/>
           </a:xfrm>
           <a:prstGeom prst="rect">
@@ -6023,7 +6810,7 @@
         </p:nvSpPr>
         <p:spPr>
           <a:xfrm>
-            <a:off x="2157274" y="3124940"/>
+            <a:off x="2334827" y="3275859"/>
             <a:ext cx="1837678" cy="656947"/>
           </a:xfrm>
           <a:prstGeom prst="rect">
@@ -6080,6 +6867,36 @@
           <a:xfrm>
             <a:off x="4842029" y="1727170"/>
             <a:ext cx="6743492" cy="3630040"/>
+          </a:xfrm>
+          <a:prstGeom prst="rect">
+            <a:avLst/>
+          </a:prstGeom>
+        </p:spPr>
+      </p:pic>
+      <p:pic>
+        <p:nvPicPr>
+          <p:cNvPr id="3" name="Picture 2">
+            <a:extLst>
+              <a:ext uri="{FF2B5EF4-FFF2-40B4-BE49-F238E27FC236}">
+                <a16:creationId xmlns:a16="http://schemas.microsoft.com/office/drawing/2014/main" id="{166A5C33-62DD-4330-B362-0C8FECD78600}"/>
+              </a:ext>
+            </a:extLst>
+          </p:cNvPr>
+          <p:cNvPicPr>
+            <a:picLocks noChangeAspect="1"/>
+          </p:cNvPicPr>
+          <p:nvPr/>
+        </p:nvPicPr>
+        <p:blipFill>
+          <a:blip r:embed="rId4"/>
+          <a:stretch>
+            <a:fillRect/>
+          </a:stretch>
+        </p:blipFill>
+        <p:spPr>
+          <a:xfrm>
+            <a:off x="5539783" y="766784"/>
+            <a:ext cx="952633" cy="238158"/>
           </a:xfrm>
           <a:prstGeom prst="rect">
             <a:avLst/>
